--- a/dave.pptx
+++ b/dave.pptx
@@ -260,7 +260,7 @@
           <a:p>
             <a:fld id="{B5DA6BB4-F9E7-084C-A4EB-AE1BD5DC0B4C}" type="datetimeFigureOut">
               <a:rPr lang="en-US" smtClean="0"/>
-              <a:t>1/3/20</a:t>
+              <a:t>1/4/20</a:t>
             </a:fld>
             <a:endParaRPr lang="en-US"/>
           </a:p>
@@ -458,7 +458,7 @@
           <a:p>
             <a:fld id="{B5DA6BB4-F9E7-084C-A4EB-AE1BD5DC0B4C}" type="datetimeFigureOut">
               <a:rPr lang="en-US" smtClean="0"/>
-              <a:t>1/3/20</a:t>
+              <a:t>1/4/20</a:t>
             </a:fld>
             <a:endParaRPr lang="en-US"/>
           </a:p>
@@ -666,7 +666,7 @@
           <a:p>
             <a:fld id="{B5DA6BB4-F9E7-084C-A4EB-AE1BD5DC0B4C}" type="datetimeFigureOut">
               <a:rPr lang="en-US" smtClean="0"/>
-              <a:t>1/3/20</a:t>
+              <a:t>1/4/20</a:t>
             </a:fld>
             <a:endParaRPr lang="en-US"/>
           </a:p>
@@ -864,7 +864,7 @@
           <a:p>
             <a:fld id="{B5DA6BB4-F9E7-084C-A4EB-AE1BD5DC0B4C}" type="datetimeFigureOut">
               <a:rPr lang="en-US" smtClean="0"/>
-              <a:t>1/3/20</a:t>
+              <a:t>1/4/20</a:t>
             </a:fld>
             <a:endParaRPr lang="en-US"/>
           </a:p>
@@ -1139,7 +1139,7 @@
           <a:p>
             <a:fld id="{B5DA6BB4-F9E7-084C-A4EB-AE1BD5DC0B4C}" type="datetimeFigureOut">
               <a:rPr lang="en-US" smtClean="0"/>
-              <a:t>1/3/20</a:t>
+              <a:t>1/4/20</a:t>
             </a:fld>
             <a:endParaRPr lang="en-US"/>
           </a:p>
@@ -1404,7 +1404,7 @@
           <a:p>
             <a:fld id="{B5DA6BB4-F9E7-084C-A4EB-AE1BD5DC0B4C}" type="datetimeFigureOut">
               <a:rPr lang="en-US" smtClean="0"/>
-              <a:t>1/3/20</a:t>
+              <a:t>1/4/20</a:t>
             </a:fld>
             <a:endParaRPr lang="en-US"/>
           </a:p>
@@ -1816,7 +1816,7 @@
           <a:p>
             <a:fld id="{B5DA6BB4-F9E7-084C-A4EB-AE1BD5DC0B4C}" type="datetimeFigureOut">
               <a:rPr lang="en-US" smtClean="0"/>
-              <a:t>1/3/20</a:t>
+              <a:t>1/4/20</a:t>
             </a:fld>
             <a:endParaRPr lang="en-US"/>
           </a:p>
@@ -1957,7 +1957,7 @@
           <a:p>
             <a:fld id="{B5DA6BB4-F9E7-084C-A4EB-AE1BD5DC0B4C}" type="datetimeFigureOut">
               <a:rPr lang="en-US" smtClean="0"/>
-              <a:t>1/3/20</a:t>
+              <a:t>1/4/20</a:t>
             </a:fld>
             <a:endParaRPr lang="en-US"/>
           </a:p>
@@ -2070,7 +2070,7 @@
           <a:p>
             <a:fld id="{B5DA6BB4-F9E7-084C-A4EB-AE1BD5DC0B4C}" type="datetimeFigureOut">
               <a:rPr lang="en-US" smtClean="0"/>
-              <a:t>1/3/20</a:t>
+              <a:t>1/4/20</a:t>
             </a:fld>
             <a:endParaRPr lang="en-US"/>
           </a:p>
@@ -2381,7 +2381,7 @@
           <a:p>
             <a:fld id="{B5DA6BB4-F9E7-084C-A4EB-AE1BD5DC0B4C}" type="datetimeFigureOut">
               <a:rPr lang="en-US" smtClean="0"/>
-              <a:t>1/3/20</a:t>
+              <a:t>1/4/20</a:t>
             </a:fld>
             <a:endParaRPr lang="en-US"/>
           </a:p>
@@ -2669,7 +2669,7 @@
           <a:p>
             <a:fld id="{B5DA6BB4-F9E7-084C-A4EB-AE1BD5DC0B4C}" type="datetimeFigureOut">
               <a:rPr lang="en-US" smtClean="0"/>
-              <a:t>1/3/20</a:t>
+              <a:t>1/4/20</a:t>
             </a:fld>
             <a:endParaRPr lang="en-US"/>
           </a:p>
@@ -2910,7 +2910,7 @@
           <a:p>
             <a:fld id="{B5DA6BB4-F9E7-084C-A4EB-AE1BD5DC0B4C}" type="datetimeFigureOut">
               <a:rPr lang="en-US" smtClean="0"/>
-              <a:t>1/3/20</a:t>
+              <a:t>1/4/20</a:t>
             </a:fld>
             <a:endParaRPr lang="en-US"/>
           </a:p>
@@ -4055,6 +4055,93 @@
           </a:prstGeom>
         </p:spPr>
       </p:pic>
+      <p:pic>
+        <p:nvPicPr>
+          <p:cNvPr id="24" name="Picture 23">
+            <a:extLst>
+              <a:ext uri="{FF2B5EF4-FFF2-40B4-BE49-F238E27FC236}">
+                <a16:creationId xmlns:a16="http://schemas.microsoft.com/office/drawing/2014/main" id="{307B07CE-B58C-3041-B69D-F59C37F07E7B}"/>
+              </a:ext>
+            </a:extLst>
+          </p:cNvPr>
+          <p:cNvPicPr>
+            <a:picLocks noChangeAspect="1"/>
+          </p:cNvPicPr>
+          <p:nvPr/>
+        </p:nvPicPr>
+        <p:blipFill rotWithShape="1">
+          <a:blip r:embed="rId3"/>
+          <a:srcRect l="2597" t="70870" r="77091" b="28146"/>
+          <a:stretch/>
+        </p:blipFill>
+        <p:spPr>
+          <a:xfrm>
+            <a:off x="2568575" y="5210174"/>
+            <a:ext cx="1527175" cy="45719"/>
+          </a:xfrm>
+          <a:prstGeom prst="rect">
+            <a:avLst/>
+          </a:prstGeom>
+        </p:spPr>
+      </p:pic>
+      <p:pic>
+        <p:nvPicPr>
+          <p:cNvPr id="25" name="Picture 24">
+            <a:extLst>
+              <a:ext uri="{FF2B5EF4-FFF2-40B4-BE49-F238E27FC236}">
+                <a16:creationId xmlns:a16="http://schemas.microsoft.com/office/drawing/2014/main" id="{4F393F67-19CC-E942-97E7-3E02CC581EF1}"/>
+              </a:ext>
+            </a:extLst>
+          </p:cNvPr>
+          <p:cNvPicPr>
+            <a:picLocks noChangeAspect="1"/>
+          </p:cNvPicPr>
+          <p:nvPr/>
+        </p:nvPicPr>
+        <p:blipFill rotWithShape="1">
+          <a:blip r:embed="rId3"/>
+          <a:srcRect l="22632" t="70938" r="75275" b="28078"/>
+          <a:stretch/>
+        </p:blipFill>
+        <p:spPr>
+          <a:xfrm>
+            <a:off x="2630773" y="5598826"/>
+            <a:ext cx="157397" cy="45719"/>
+          </a:xfrm>
+          <a:prstGeom prst="rect">
+            <a:avLst/>
+          </a:prstGeom>
+        </p:spPr>
+      </p:pic>
+      <p:pic>
+        <p:nvPicPr>
+          <p:cNvPr id="26" name="Picture 25">
+            <a:extLst>
+              <a:ext uri="{FF2B5EF4-FFF2-40B4-BE49-F238E27FC236}">
+                <a16:creationId xmlns:a16="http://schemas.microsoft.com/office/drawing/2014/main" id="{0F673038-80E8-CC47-BD7E-77B015F6B6DD}"/>
+              </a:ext>
+            </a:extLst>
+          </p:cNvPr>
+          <p:cNvPicPr>
+            <a:picLocks noChangeAspect="1"/>
+          </p:cNvPicPr>
+          <p:nvPr/>
+        </p:nvPicPr>
+        <p:blipFill rotWithShape="1">
+          <a:blip r:embed="rId3"/>
+          <a:srcRect l="21" t="76307" r="97936" b="22645"/>
+          <a:stretch/>
+        </p:blipFill>
+        <p:spPr>
+          <a:xfrm>
+            <a:off x="2840636" y="5598826"/>
+            <a:ext cx="153649" cy="48718"/>
+          </a:xfrm>
+          <a:prstGeom prst="rect">
+            <a:avLst/>
+          </a:prstGeom>
+        </p:spPr>
+      </p:pic>
     </p:spTree>
     <p:extLst>
       <p:ext uri="{BB962C8B-B14F-4D97-AF65-F5344CB8AC3E}">

--- a/dave.pptx
+++ b/dave.pptx
@@ -7,6 +7,7 @@
   <p:sldIdLst>
     <p:sldId id="256" r:id="rId2"/>
     <p:sldId id="257" r:id="rId3"/>
+    <p:sldId id="258" r:id="rId4"/>
   </p:sldIdLst>
   <p:sldSz cx="12192000" cy="6858000"/>
   <p:notesSz cx="6858000" cy="9144000"/>
@@ -4155,6 +4156,36 @@
 </p:sld>
 </file>
 
+<file path=ppt/slides/slide3.xml><?xml version="1.0" encoding="utf-8"?>
+<p:sld xmlns:a="http://schemas.openxmlformats.org/drawingml/2006/main" xmlns:r="http://schemas.openxmlformats.org/officeDocument/2006/relationships" xmlns:p="http://schemas.openxmlformats.org/presentationml/2006/main">
+  <p:cSld>
+    <p:spTree>
+      <p:nvGrpSpPr>
+        <p:cNvPr id="1" name=""/>
+        <p:cNvGrpSpPr/>
+        <p:nvPr/>
+      </p:nvGrpSpPr>
+      <p:grpSpPr>
+        <a:xfrm>
+          <a:off x="0" y="0"/>
+          <a:ext cx="0" cy="0"/>
+          <a:chOff x="0" y="0"/>
+          <a:chExt cx="0" cy="0"/>
+        </a:xfrm>
+      </p:grpSpPr>
+    </p:spTree>
+    <p:extLst>
+      <p:ext uri="{BB962C8B-B14F-4D97-AF65-F5344CB8AC3E}">
+        <p14:creationId xmlns:p14="http://schemas.microsoft.com/office/powerpoint/2010/main" val="2029866409"/>
+      </p:ext>
+    </p:extLst>
+  </p:cSld>
+  <p:clrMapOvr>
+    <a:masterClrMapping/>
+  </p:clrMapOvr>
+</p:sld>
+</file>
+
 <file path=ppt/theme/theme1.xml><?xml version="1.0" encoding="utf-8"?>
 <a:theme xmlns:a="http://schemas.openxmlformats.org/drawingml/2006/main" name="Office Theme">
   <a:themeElements>
